--- a/Agile PowerShell.pptx
+++ b/Agile PowerShell.pptx
@@ -113,6 +113,14 @@
       </a:defRPr>
     </a:lvl9pPr>
   </p:defaultTextStyle>
+  <p:extLst>
+    <p:ext uri="{EFAFB233-063F-42B5-8137-9DF3F51BA10A}">
+      <p15:sldGuideLst xmlns:p15="http://schemas.microsoft.com/office/powerpoint/2012/main"/>
+    </p:ext>
+    <p:ext uri="{2D200454-40CA-4A62-9FC3-DE9A4176ACB9}">
+      <p15:notesGuideLst xmlns:p15="http://schemas.microsoft.com/office/powerpoint/2012/main"/>
+    </p:ext>
+  </p:extLst>
 </p:presentation>
 </file>
 
@@ -198,7 +206,7 @@
           <a:p>
             <a:fld id="{6444B64F-3839-4AD8-B424-17FAA8291C93}" type="datetimeFigureOut">
               <a:rPr lang="en-US" smtClean="0"/>
-              <a:t>4/28/2016</a:t>
+              <a:t>4/29/2016</a:t>
             </a:fld>
             <a:endParaRPr lang="en-US"/>
           </a:p>
@@ -1192,7 +1200,7 @@
           <a:p>
             <a:fld id="{F20437A2-DB3A-4871-BDD9-5CA9FED123DE}" type="datetimeFigureOut">
               <a:rPr lang="en-US" smtClean="0"/>
-              <a:t>4/28/2016</a:t>
+              <a:t>4/29/2016</a:t>
             </a:fld>
             <a:endParaRPr lang="en-US"/>
           </a:p>
@@ -1628,7 +1636,7 @@
           <a:p>
             <a:fld id="{F20437A2-DB3A-4871-BDD9-5CA9FED123DE}" type="datetimeFigureOut">
               <a:rPr lang="en-US" smtClean="0"/>
-              <a:t>4/28/2016</a:t>
+              <a:t>4/29/2016</a:t>
             </a:fld>
             <a:endParaRPr lang="en-US"/>
           </a:p>
@@ -1878,7 +1886,7 @@
           <a:p>
             <a:fld id="{F20437A2-DB3A-4871-BDD9-5CA9FED123DE}" type="datetimeFigureOut">
               <a:rPr lang="en-US" smtClean="0"/>
-              <a:t>4/28/2016</a:t>
+              <a:t>4/29/2016</a:t>
             </a:fld>
             <a:endParaRPr lang="en-US"/>
           </a:p>
@@ -2186,7 +2194,7 @@
           <a:p>
             <a:fld id="{F20437A2-DB3A-4871-BDD9-5CA9FED123DE}" type="datetimeFigureOut">
               <a:rPr lang="en-US" smtClean="0"/>
-              <a:t>4/28/2016</a:t>
+              <a:t>4/29/2016</a:t>
             </a:fld>
             <a:endParaRPr lang="en-US"/>
           </a:p>
@@ -2504,7 +2512,7 @@
           <a:p>
             <a:fld id="{F20437A2-DB3A-4871-BDD9-5CA9FED123DE}" type="datetimeFigureOut">
               <a:rPr lang="en-US" smtClean="0"/>
-              <a:t>4/28/2016</a:t>
+              <a:t>4/29/2016</a:t>
             </a:fld>
             <a:endParaRPr lang="en-US"/>
           </a:p>
@@ -2806,7 +2814,7 @@
           <a:p>
             <a:fld id="{F20437A2-DB3A-4871-BDD9-5CA9FED123DE}" type="datetimeFigureOut">
               <a:rPr lang="en-US" smtClean="0"/>
-              <a:t>4/28/2016</a:t>
+              <a:t>4/29/2016</a:t>
             </a:fld>
             <a:endParaRPr lang="en-US"/>
           </a:p>
@@ -3173,7 +3181,7 @@
           <a:p>
             <a:fld id="{F20437A2-DB3A-4871-BDD9-5CA9FED123DE}" type="datetimeFigureOut">
               <a:rPr lang="en-US" smtClean="0"/>
-              <a:t>4/28/2016</a:t>
+              <a:t>4/29/2016</a:t>
             </a:fld>
             <a:endParaRPr lang="en-US"/>
           </a:p>
@@ -3347,7 +3355,7 @@
           <a:p>
             <a:fld id="{F20437A2-DB3A-4871-BDD9-5CA9FED123DE}" type="datetimeFigureOut">
               <a:rPr lang="en-US" smtClean="0"/>
-              <a:t>4/28/2016</a:t>
+              <a:t>4/29/2016</a:t>
             </a:fld>
             <a:endParaRPr lang="en-US"/>
           </a:p>
@@ -3527,7 +3535,7 @@
           <a:p>
             <a:fld id="{F20437A2-DB3A-4871-BDD9-5CA9FED123DE}" type="datetimeFigureOut">
               <a:rPr lang="en-US" smtClean="0"/>
-              <a:t>4/28/2016</a:t>
+              <a:t>4/29/2016</a:t>
             </a:fld>
             <a:endParaRPr lang="en-US"/>
           </a:p>
@@ -3697,7 +3705,7 @@
           <a:p>
             <a:fld id="{F20437A2-DB3A-4871-BDD9-5CA9FED123DE}" type="datetimeFigureOut">
               <a:rPr lang="en-US" smtClean="0"/>
-              <a:t>4/28/2016</a:t>
+              <a:t>4/29/2016</a:t>
             </a:fld>
             <a:endParaRPr lang="en-US"/>
           </a:p>
@@ -3947,7 +3955,7 @@
           <a:p>
             <a:fld id="{F20437A2-DB3A-4871-BDD9-5CA9FED123DE}" type="datetimeFigureOut">
               <a:rPr lang="en-US" smtClean="0"/>
-              <a:t>4/28/2016</a:t>
+              <a:t>4/29/2016</a:t>
             </a:fld>
             <a:endParaRPr lang="en-US"/>
           </a:p>
@@ -4183,7 +4191,7 @@
           <a:p>
             <a:fld id="{F20437A2-DB3A-4871-BDD9-5CA9FED123DE}" type="datetimeFigureOut">
               <a:rPr lang="en-US" smtClean="0"/>
-              <a:t>4/28/2016</a:t>
+              <a:t>4/29/2016</a:t>
             </a:fld>
             <a:endParaRPr lang="en-US"/>
           </a:p>
@@ -4565,7 +4573,7 @@
           <a:p>
             <a:fld id="{F20437A2-DB3A-4871-BDD9-5CA9FED123DE}" type="datetimeFigureOut">
               <a:rPr lang="en-US" smtClean="0"/>
-              <a:t>4/28/2016</a:t>
+              <a:t>4/29/2016</a:t>
             </a:fld>
             <a:endParaRPr lang="en-US"/>
           </a:p>
@@ -4683,7 +4691,7 @@
           <a:p>
             <a:fld id="{F20437A2-DB3A-4871-BDD9-5CA9FED123DE}" type="datetimeFigureOut">
               <a:rPr lang="en-US" smtClean="0"/>
-              <a:t>4/28/2016</a:t>
+              <a:t>4/29/2016</a:t>
             </a:fld>
             <a:endParaRPr lang="en-US"/>
           </a:p>
@@ -4778,7 +4786,7 @@
           <a:p>
             <a:fld id="{F20437A2-DB3A-4871-BDD9-5CA9FED123DE}" type="datetimeFigureOut">
               <a:rPr lang="en-US" smtClean="0"/>
-              <a:t>4/28/2016</a:t>
+              <a:t>4/29/2016</a:t>
             </a:fld>
             <a:endParaRPr lang="en-US"/>
           </a:p>
@@ -5033,7 +5041,7 @@
           <a:p>
             <a:fld id="{F20437A2-DB3A-4871-BDD9-5CA9FED123DE}" type="datetimeFigureOut">
               <a:rPr lang="en-US" smtClean="0"/>
-              <a:t>4/28/2016</a:t>
+              <a:t>4/29/2016</a:t>
             </a:fld>
             <a:endParaRPr lang="en-US"/>
           </a:p>
@@ -5316,7 +5324,7 @@
           <a:p>
             <a:fld id="{F20437A2-DB3A-4871-BDD9-5CA9FED123DE}" type="datetimeFigureOut">
               <a:rPr lang="en-US" smtClean="0"/>
-              <a:t>4/28/2016</a:t>
+              <a:t>4/29/2016</a:t>
             </a:fld>
             <a:endParaRPr lang="en-US"/>
           </a:p>
@@ -5722,7 +5730,7 @@
           <a:p>
             <a:fld id="{F20437A2-DB3A-4871-BDD9-5CA9FED123DE}" type="datetimeFigureOut">
               <a:rPr lang="en-US" smtClean="0"/>
-              <a:t>4/28/2016</a:t>
+              <a:t>4/29/2016</a:t>
             </a:fld>
             <a:endParaRPr lang="en-US"/>
           </a:p>
@@ -6900,7 +6908,7 @@
           <a:p>
             <a:r>
               <a:rPr lang="en-US" dirty="0" err="1" smtClean="0"/>
-              <a:t>PSCodeAnalyzer</a:t>
+              <a:t>PSScriptAnalyzer</a:t>
             </a:r>
             <a:r>
               <a:rPr lang="en-US" dirty="0" smtClean="0"/>
